--- a/HTML5Canvas/DrawBitMap.pptx
+++ b/HTML5Canvas/DrawBitMap.pptx
@@ -16,8 +16,8 @@
     <p:sldId id="330" r:id="rId7"/>
     <p:sldId id="333" r:id="rId8"/>
     <p:sldId id="335" r:id="rId9"/>
-    <p:sldId id="336" r:id="rId10"/>
-    <p:sldId id="337" r:id="rId11"/>
+    <p:sldId id="337" r:id="rId10"/>
+    <p:sldId id="336" r:id="rId11"/>
   </p:sldIdLst>
   <p:sldSz cx="12192000" cy="6858000"/>
   <p:notesSz cx="6858000" cy="9144000"/>
@@ -220,7 +220,7 @@
           <a:p>
             <a:fld id="{FD30E971-D1D3-4B0D-B02A-F36757F13815}" type="datetimeFigureOut">
               <a:rPr lang="zh-TW" altLang="en-US" smtClean="0"/>
-              <a:t>2020/3/18</a:t>
+              <a:t>2021/3/24</a:t>
             </a:fld>
             <a:endParaRPr lang="zh-TW" altLang="en-US"/>
           </a:p>
@@ -284,38 +284,37 @@
           <a:p>
             <a:pPr lvl="0"/>
             <a:r>
-              <a:rPr lang="zh-TW" altLang="en-US" smtClean="0"/>
+              <a:rPr lang="zh-TW" altLang="en-US"/>
               <a:t>按一下以編輯母片文字樣式</a:t>
             </a:r>
           </a:p>
           <a:p>
             <a:pPr lvl="1"/>
             <a:r>
-              <a:rPr lang="zh-TW" altLang="en-US" smtClean="0"/>
+              <a:rPr lang="zh-TW" altLang="en-US"/>
               <a:t>第二層</a:t>
             </a:r>
           </a:p>
           <a:p>
             <a:pPr lvl="2"/>
             <a:r>
-              <a:rPr lang="zh-TW" altLang="en-US" smtClean="0"/>
+              <a:rPr lang="zh-TW" altLang="en-US"/>
               <a:t>第三層</a:t>
             </a:r>
           </a:p>
           <a:p>
             <a:pPr lvl="3"/>
             <a:r>
-              <a:rPr lang="zh-TW" altLang="en-US" smtClean="0"/>
+              <a:rPr lang="zh-TW" altLang="en-US"/>
               <a:t>第四層</a:t>
             </a:r>
           </a:p>
           <a:p>
             <a:pPr lvl="4"/>
             <a:r>
-              <a:rPr lang="zh-TW" altLang="en-US" smtClean="0"/>
+              <a:rPr lang="zh-TW" altLang="en-US"/>
               <a:t>第五層</a:t>
             </a:r>
-            <a:endParaRPr lang="zh-TW" altLang="en-US"/>
           </a:p>
         </p:txBody>
       </p:sp>
@@ -526,10 +525,9 @@
           <a:lstStyle/>
           <a:p>
             <a:r>
-              <a:rPr lang="zh-TW" altLang="en-US" smtClean="0"/>
+              <a:rPr lang="zh-TW" altLang="en-US"/>
               <a:t>按一下以編輯母片標題樣式</a:t>
             </a:r>
-            <a:endParaRPr lang="zh-TW" altLang="en-US"/>
           </a:p>
         </p:txBody>
       </p:sp>
@@ -645,10 +643,9 @@
           </a:lstStyle>
           <a:p>
             <a:r>
-              <a:rPr lang="zh-TW" altLang="en-US" smtClean="0"/>
+              <a:rPr lang="zh-TW" altLang="en-US"/>
               <a:t>按一下以編輯母片副標題樣式</a:t>
             </a:r>
-            <a:endParaRPr lang="zh-TW" altLang="en-US"/>
           </a:p>
         </p:txBody>
       </p:sp>
@@ -670,7 +667,7 @@
             <a:fld id="{BB12B589-21DE-46A2-AF91-CC043ECE94FC}" type="datetimeFigureOut">
               <a:rPr lang="zh-CN" altLang="en-US" smtClean="0"/>
               <a:pPr/>
-              <a:t>2020/3/18</a:t>
+              <a:t>2021/3/24</a:t>
             </a:fld>
             <a:endParaRPr lang="zh-CN" altLang="en-US"/>
           </a:p>
@@ -765,10 +762,9 @@
           <a:lstStyle/>
           <a:p>
             <a:r>
-              <a:rPr lang="zh-TW" altLang="en-US" smtClean="0"/>
+              <a:rPr lang="zh-TW" altLang="en-US"/>
               <a:t>按一下以編輯母片標題樣式</a:t>
             </a:r>
-            <a:endParaRPr lang="zh-TW" altLang="en-US"/>
           </a:p>
         </p:txBody>
       </p:sp>
@@ -789,38 +785,37 @@
           <a:p>
             <a:pPr lvl="0"/>
             <a:r>
-              <a:rPr lang="zh-TW" altLang="en-US" smtClean="0"/>
+              <a:rPr lang="zh-TW" altLang="en-US"/>
               <a:t>按一下以編輯母片文字樣式</a:t>
             </a:r>
           </a:p>
           <a:p>
             <a:pPr lvl="1"/>
             <a:r>
-              <a:rPr lang="zh-TW" altLang="en-US" smtClean="0"/>
+              <a:rPr lang="zh-TW" altLang="en-US"/>
               <a:t>第二層</a:t>
             </a:r>
           </a:p>
           <a:p>
             <a:pPr lvl="2"/>
             <a:r>
-              <a:rPr lang="zh-TW" altLang="en-US" smtClean="0"/>
+              <a:rPr lang="zh-TW" altLang="en-US"/>
               <a:t>第三層</a:t>
             </a:r>
           </a:p>
           <a:p>
             <a:pPr lvl="3"/>
             <a:r>
-              <a:rPr lang="zh-TW" altLang="en-US" smtClean="0"/>
+              <a:rPr lang="zh-TW" altLang="en-US"/>
               <a:t>第四層</a:t>
             </a:r>
           </a:p>
           <a:p>
             <a:pPr lvl="4"/>
             <a:r>
-              <a:rPr lang="zh-TW" altLang="en-US" smtClean="0"/>
+              <a:rPr lang="zh-TW" altLang="en-US"/>
               <a:t>第五層</a:t>
             </a:r>
-            <a:endParaRPr lang="zh-TW" altLang="en-US"/>
           </a:p>
         </p:txBody>
       </p:sp>
@@ -842,7 +837,7 @@
             <a:fld id="{BB12B589-21DE-46A2-AF91-CC043ECE94FC}" type="datetimeFigureOut">
               <a:rPr lang="zh-CN" altLang="en-US" smtClean="0"/>
               <a:pPr/>
-              <a:t>2020/3/18</a:t>
+              <a:t>2021/3/24</a:t>
             </a:fld>
             <a:endParaRPr lang="zh-CN" altLang="en-US"/>
           </a:p>
@@ -942,10 +937,9 @@
           <a:lstStyle/>
           <a:p>
             <a:r>
-              <a:rPr lang="zh-TW" altLang="en-US" smtClean="0"/>
+              <a:rPr lang="zh-TW" altLang="en-US"/>
               <a:t>按一下以編輯母片標題樣式</a:t>
             </a:r>
-            <a:endParaRPr lang="zh-TW" altLang="en-US"/>
           </a:p>
         </p:txBody>
       </p:sp>
@@ -971,38 +965,37 @@
           <a:p>
             <a:pPr lvl="0"/>
             <a:r>
-              <a:rPr lang="zh-TW" altLang="en-US" smtClean="0"/>
+              <a:rPr lang="zh-TW" altLang="en-US"/>
               <a:t>按一下以編輯母片文字樣式</a:t>
             </a:r>
           </a:p>
           <a:p>
             <a:pPr lvl="1"/>
             <a:r>
-              <a:rPr lang="zh-TW" altLang="en-US" smtClean="0"/>
+              <a:rPr lang="zh-TW" altLang="en-US"/>
               <a:t>第二層</a:t>
             </a:r>
           </a:p>
           <a:p>
             <a:pPr lvl="2"/>
             <a:r>
-              <a:rPr lang="zh-TW" altLang="en-US" smtClean="0"/>
+              <a:rPr lang="zh-TW" altLang="en-US"/>
               <a:t>第三層</a:t>
             </a:r>
           </a:p>
           <a:p>
             <a:pPr lvl="3"/>
             <a:r>
-              <a:rPr lang="zh-TW" altLang="en-US" smtClean="0"/>
+              <a:rPr lang="zh-TW" altLang="en-US"/>
               <a:t>第四層</a:t>
             </a:r>
           </a:p>
           <a:p>
             <a:pPr lvl="4"/>
             <a:r>
-              <a:rPr lang="zh-TW" altLang="en-US" smtClean="0"/>
+              <a:rPr lang="zh-TW" altLang="en-US"/>
               <a:t>第五層</a:t>
             </a:r>
-            <a:endParaRPr lang="zh-TW" altLang="en-US"/>
           </a:p>
         </p:txBody>
       </p:sp>
@@ -1024,7 +1017,7 @@
             <a:fld id="{BB12B589-21DE-46A2-AF91-CC043ECE94FC}" type="datetimeFigureOut">
               <a:rPr lang="zh-CN" altLang="en-US" smtClean="0"/>
               <a:pPr/>
-              <a:t>2020/3/18</a:t>
+              <a:t>2021/3/24</a:t>
             </a:fld>
             <a:endParaRPr lang="zh-CN" altLang="en-US"/>
           </a:p>
@@ -1119,10 +1112,9 @@
           <a:lstStyle/>
           <a:p>
             <a:r>
-              <a:rPr lang="zh-TW" altLang="en-US" smtClean="0"/>
+              <a:rPr lang="zh-TW" altLang="en-US"/>
               <a:t>按一下以編輯母片標題樣式</a:t>
             </a:r>
-            <a:endParaRPr lang="zh-TW" altLang="en-US"/>
           </a:p>
         </p:txBody>
       </p:sp>
@@ -1143,38 +1135,37 @@
           <a:p>
             <a:pPr lvl="0"/>
             <a:r>
-              <a:rPr lang="zh-TW" altLang="en-US" smtClean="0"/>
+              <a:rPr lang="zh-TW" altLang="en-US"/>
               <a:t>按一下以編輯母片文字樣式</a:t>
             </a:r>
           </a:p>
           <a:p>
             <a:pPr lvl="1"/>
             <a:r>
-              <a:rPr lang="zh-TW" altLang="en-US" smtClean="0"/>
+              <a:rPr lang="zh-TW" altLang="en-US"/>
               <a:t>第二層</a:t>
             </a:r>
           </a:p>
           <a:p>
             <a:pPr lvl="2"/>
             <a:r>
-              <a:rPr lang="zh-TW" altLang="en-US" smtClean="0"/>
+              <a:rPr lang="zh-TW" altLang="en-US"/>
               <a:t>第三層</a:t>
             </a:r>
           </a:p>
           <a:p>
             <a:pPr lvl="3"/>
             <a:r>
-              <a:rPr lang="zh-TW" altLang="en-US" smtClean="0"/>
+              <a:rPr lang="zh-TW" altLang="en-US"/>
               <a:t>第四層</a:t>
             </a:r>
           </a:p>
           <a:p>
             <a:pPr lvl="4"/>
             <a:r>
-              <a:rPr lang="zh-TW" altLang="en-US" smtClean="0"/>
+              <a:rPr lang="zh-TW" altLang="en-US"/>
               <a:t>第五層</a:t>
             </a:r>
-            <a:endParaRPr lang="zh-TW" altLang="en-US"/>
           </a:p>
         </p:txBody>
       </p:sp>
@@ -1196,7 +1187,7 @@
             <a:fld id="{BB12B589-21DE-46A2-AF91-CC043ECE94FC}" type="datetimeFigureOut">
               <a:rPr lang="zh-CN" altLang="en-US" smtClean="0"/>
               <a:pPr/>
-              <a:t>2020/3/18</a:t>
+              <a:t>2021/3/24</a:t>
             </a:fld>
             <a:endParaRPr lang="zh-CN" altLang="en-US"/>
           </a:p>
@@ -1300,10 +1291,9 @@
           </a:lstStyle>
           <a:p>
             <a:r>
-              <a:rPr lang="zh-TW" altLang="en-US" smtClean="0"/>
+              <a:rPr lang="zh-TW" altLang="en-US"/>
               <a:t>按一下以編輯母片標題樣式</a:t>
             </a:r>
-            <a:endParaRPr lang="zh-TW" altLang="en-US"/>
           </a:p>
         </p:txBody>
       </p:sp>
@@ -1420,7 +1410,7 @@
           <a:p>
             <a:pPr lvl="0"/>
             <a:r>
-              <a:rPr lang="zh-TW" altLang="en-US" smtClean="0"/>
+              <a:rPr lang="zh-TW" altLang="en-US"/>
               <a:t>按一下以編輯母片文字樣式</a:t>
             </a:r>
           </a:p>
@@ -1444,7 +1434,7 @@
             <a:fld id="{BB12B589-21DE-46A2-AF91-CC043ECE94FC}" type="datetimeFigureOut">
               <a:rPr lang="zh-CN" altLang="en-US" smtClean="0"/>
               <a:pPr/>
-              <a:t>2020/3/18</a:t>
+              <a:t>2021/3/24</a:t>
             </a:fld>
             <a:endParaRPr lang="zh-CN" altLang="en-US"/>
           </a:p>
@@ -1539,10 +1529,9 @@
           <a:lstStyle/>
           <a:p>
             <a:r>
-              <a:rPr lang="zh-TW" altLang="en-US" smtClean="0"/>
+              <a:rPr lang="zh-TW" altLang="en-US"/>
               <a:t>按一下以編輯母片標題樣式</a:t>
             </a:r>
-            <a:endParaRPr lang="zh-TW" altLang="en-US"/>
           </a:p>
         </p:txBody>
       </p:sp>
@@ -1596,38 +1585,37 @@
           <a:p>
             <a:pPr lvl="0"/>
             <a:r>
-              <a:rPr lang="zh-TW" altLang="en-US" smtClean="0"/>
+              <a:rPr lang="zh-TW" altLang="en-US"/>
               <a:t>按一下以編輯母片文字樣式</a:t>
             </a:r>
           </a:p>
           <a:p>
             <a:pPr lvl="1"/>
             <a:r>
-              <a:rPr lang="zh-TW" altLang="en-US" smtClean="0"/>
+              <a:rPr lang="zh-TW" altLang="en-US"/>
               <a:t>第二層</a:t>
             </a:r>
           </a:p>
           <a:p>
             <a:pPr lvl="2"/>
             <a:r>
-              <a:rPr lang="zh-TW" altLang="en-US" smtClean="0"/>
+              <a:rPr lang="zh-TW" altLang="en-US"/>
               <a:t>第三層</a:t>
             </a:r>
           </a:p>
           <a:p>
             <a:pPr lvl="3"/>
             <a:r>
-              <a:rPr lang="zh-TW" altLang="en-US" smtClean="0"/>
+              <a:rPr lang="zh-TW" altLang="en-US"/>
               <a:t>第四層</a:t>
             </a:r>
           </a:p>
           <a:p>
             <a:pPr lvl="4"/>
             <a:r>
-              <a:rPr lang="zh-TW" altLang="en-US" smtClean="0"/>
+              <a:rPr lang="zh-TW" altLang="en-US"/>
               <a:t>第五層</a:t>
             </a:r>
-            <a:endParaRPr lang="zh-TW" altLang="en-US"/>
           </a:p>
         </p:txBody>
       </p:sp>
@@ -1681,38 +1669,37 @@
           <a:p>
             <a:pPr lvl="0"/>
             <a:r>
-              <a:rPr lang="zh-TW" altLang="en-US" smtClean="0"/>
+              <a:rPr lang="zh-TW" altLang="en-US"/>
               <a:t>按一下以編輯母片文字樣式</a:t>
             </a:r>
           </a:p>
           <a:p>
             <a:pPr lvl="1"/>
             <a:r>
-              <a:rPr lang="zh-TW" altLang="en-US" smtClean="0"/>
+              <a:rPr lang="zh-TW" altLang="en-US"/>
               <a:t>第二層</a:t>
             </a:r>
           </a:p>
           <a:p>
             <a:pPr lvl="2"/>
             <a:r>
-              <a:rPr lang="zh-TW" altLang="en-US" smtClean="0"/>
+              <a:rPr lang="zh-TW" altLang="en-US"/>
               <a:t>第三層</a:t>
             </a:r>
           </a:p>
           <a:p>
             <a:pPr lvl="3"/>
             <a:r>
-              <a:rPr lang="zh-TW" altLang="en-US" smtClean="0"/>
+              <a:rPr lang="zh-TW" altLang="en-US"/>
               <a:t>第四層</a:t>
             </a:r>
           </a:p>
           <a:p>
             <a:pPr lvl="4"/>
             <a:r>
-              <a:rPr lang="zh-TW" altLang="en-US" smtClean="0"/>
+              <a:rPr lang="zh-TW" altLang="en-US"/>
               <a:t>第五層</a:t>
             </a:r>
-            <a:endParaRPr lang="zh-TW" altLang="en-US"/>
           </a:p>
         </p:txBody>
       </p:sp>
@@ -1734,7 +1721,7 @@
             <a:fld id="{BB12B589-21DE-46A2-AF91-CC043ECE94FC}" type="datetimeFigureOut">
               <a:rPr lang="zh-CN" altLang="en-US" smtClean="0"/>
               <a:pPr/>
-              <a:t>2020/3/18</a:t>
+              <a:t>2021/3/24</a:t>
             </a:fld>
             <a:endParaRPr lang="zh-CN" altLang="en-US"/>
           </a:p>
@@ -1838,10 +1825,9 @@
           </a:lstStyle>
           <a:p>
             <a:r>
-              <a:rPr lang="zh-TW" altLang="en-US" smtClean="0"/>
+              <a:rPr lang="zh-TW" altLang="en-US"/>
               <a:t>按一下以編輯母片標題樣式</a:t>
             </a:r>
-            <a:endParaRPr lang="zh-TW" altLang="en-US"/>
           </a:p>
         </p:txBody>
       </p:sp>
@@ -1904,7 +1890,7 @@
           <a:p>
             <a:pPr lvl="0"/>
             <a:r>
-              <a:rPr lang="zh-TW" altLang="en-US" smtClean="0"/>
+              <a:rPr lang="zh-TW" altLang="en-US"/>
               <a:t>按一下以編輯母片文字樣式</a:t>
             </a:r>
           </a:p>
@@ -1960,38 +1946,37 @@
           <a:p>
             <a:pPr lvl="0"/>
             <a:r>
-              <a:rPr lang="zh-TW" altLang="en-US" smtClean="0"/>
+              <a:rPr lang="zh-TW" altLang="en-US"/>
               <a:t>按一下以編輯母片文字樣式</a:t>
             </a:r>
           </a:p>
           <a:p>
             <a:pPr lvl="1"/>
             <a:r>
-              <a:rPr lang="zh-TW" altLang="en-US" smtClean="0"/>
+              <a:rPr lang="zh-TW" altLang="en-US"/>
               <a:t>第二層</a:t>
             </a:r>
           </a:p>
           <a:p>
             <a:pPr lvl="2"/>
             <a:r>
-              <a:rPr lang="zh-TW" altLang="en-US" smtClean="0"/>
+              <a:rPr lang="zh-TW" altLang="en-US"/>
               <a:t>第三層</a:t>
             </a:r>
           </a:p>
           <a:p>
             <a:pPr lvl="3"/>
             <a:r>
-              <a:rPr lang="zh-TW" altLang="en-US" smtClean="0"/>
+              <a:rPr lang="zh-TW" altLang="en-US"/>
               <a:t>第四層</a:t>
             </a:r>
           </a:p>
           <a:p>
             <a:pPr lvl="4"/>
             <a:r>
-              <a:rPr lang="zh-TW" altLang="en-US" smtClean="0"/>
+              <a:rPr lang="zh-TW" altLang="en-US"/>
               <a:t>第五層</a:t>
             </a:r>
-            <a:endParaRPr lang="zh-TW" altLang="en-US"/>
           </a:p>
         </p:txBody>
       </p:sp>
@@ -2054,7 +2039,7 @@
           <a:p>
             <a:pPr lvl="0"/>
             <a:r>
-              <a:rPr lang="zh-TW" altLang="en-US" smtClean="0"/>
+              <a:rPr lang="zh-TW" altLang="en-US"/>
               <a:t>按一下以編輯母片文字樣式</a:t>
             </a:r>
           </a:p>
@@ -2110,38 +2095,37 @@
           <a:p>
             <a:pPr lvl="0"/>
             <a:r>
-              <a:rPr lang="zh-TW" altLang="en-US" smtClean="0"/>
+              <a:rPr lang="zh-TW" altLang="en-US"/>
               <a:t>按一下以編輯母片文字樣式</a:t>
             </a:r>
           </a:p>
           <a:p>
             <a:pPr lvl="1"/>
             <a:r>
-              <a:rPr lang="zh-TW" altLang="en-US" smtClean="0"/>
+              <a:rPr lang="zh-TW" altLang="en-US"/>
               <a:t>第二層</a:t>
             </a:r>
           </a:p>
           <a:p>
             <a:pPr lvl="2"/>
             <a:r>
-              <a:rPr lang="zh-TW" altLang="en-US" smtClean="0"/>
+              <a:rPr lang="zh-TW" altLang="en-US"/>
               <a:t>第三層</a:t>
             </a:r>
           </a:p>
           <a:p>
             <a:pPr lvl="3"/>
             <a:r>
-              <a:rPr lang="zh-TW" altLang="en-US" smtClean="0"/>
+              <a:rPr lang="zh-TW" altLang="en-US"/>
               <a:t>第四層</a:t>
             </a:r>
           </a:p>
           <a:p>
             <a:pPr lvl="4"/>
             <a:r>
-              <a:rPr lang="zh-TW" altLang="en-US" smtClean="0"/>
+              <a:rPr lang="zh-TW" altLang="en-US"/>
               <a:t>第五層</a:t>
             </a:r>
-            <a:endParaRPr lang="zh-TW" altLang="en-US"/>
           </a:p>
         </p:txBody>
       </p:sp>
@@ -2163,7 +2147,7 @@
             <a:fld id="{BB12B589-21DE-46A2-AF91-CC043ECE94FC}" type="datetimeFigureOut">
               <a:rPr lang="zh-CN" altLang="en-US" smtClean="0"/>
               <a:pPr/>
-              <a:t>2020/3/18</a:t>
+              <a:t>2021/3/24</a:t>
             </a:fld>
             <a:endParaRPr lang="zh-CN" altLang="en-US"/>
           </a:p>
@@ -2258,10 +2242,9 @@
           <a:lstStyle/>
           <a:p>
             <a:r>
-              <a:rPr lang="zh-TW" altLang="en-US" smtClean="0"/>
+              <a:rPr lang="zh-TW" altLang="en-US"/>
               <a:t>按一下以編輯母片標題樣式</a:t>
             </a:r>
-            <a:endParaRPr lang="zh-TW" altLang="en-US"/>
           </a:p>
         </p:txBody>
       </p:sp>
@@ -2283,7 +2266,7 @@
             <a:fld id="{BB12B589-21DE-46A2-AF91-CC043ECE94FC}" type="datetimeFigureOut">
               <a:rPr lang="zh-CN" altLang="en-US" smtClean="0"/>
               <a:pPr/>
-              <a:t>2020/3/18</a:t>
+              <a:t>2021/3/24</a:t>
             </a:fld>
             <a:endParaRPr lang="zh-CN" altLang="en-US"/>
           </a:p>
@@ -2380,7 +2363,7 @@
             <a:fld id="{BB12B589-21DE-46A2-AF91-CC043ECE94FC}" type="datetimeFigureOut">
               <a:rPr lang="zh-CN" altLang="en-US" smtClean="0"/>
               <a:pPr/>
-              <a:t>2020/3/18</a:t>
+              <a:t>2021/3/24</a:t>
             </a:fld>
             <a:endParaRPr lang="zh-CN" altLang="en-US"/>
           </a:p>
@@ -2484,10 +2467,9 @@
           </a:lstStyle>
           <a:p>
             <a:r>
-              <a:rPr lang="zh-TW" altLang="en-US" smtClean="0"/>
+              <a:rPr lang="zh-TW" altLang="en-US"/>
               <a:t>按一下以編輯母片標題樣式</a:t>
             </a:r>
-            <a:endParaRPr lang="zh-TW" altLang="en-US"/>
           </a:p>
         </p:txBody>
       </p:sp>
@@ -2541,38 +2523,37 @@
           <a:p>
             <a:pPr lvl="0"/>
             <a:r>
-              <a:rPr lang="zh-TW" altLang="en-US" smtClean="0"/>
+              <a:rPr lang="zh-TW" altLang="en-US"/>
               <a:t>按一下以編輯母片文字樣式</a:t>
             </a:r>
           </a:p>
           <a:p>
             <a:pPr lvl="1"/>
             <a:r>
-              <a:rPr lang="zh-TW" altLang="en-US" smtClean="0"/>
+              <a:rPr lang="zh-TW" altLang="en-US"/>
               <a:t>第二層</a:t>
             </a:r>
           </a:p>
           <a:p>
             <a:pPr lvl="2"/>
             <a:r>
-              <a:rPr lang="zh-TW" altLang="en-US" smtClean="0"/>
+              <a:rPr lang="zh-TW" altLang="en-US"/>
               <a:t>第三層</a:t>
             </a:r>
           </a:p>
           <a:p>
             <a:pPr lvl="3"/>
             <a:r>
-              <a:rPr lang="zh-TW" altLang="en-US" smtClean="0"/>
+              <a:rPr lang="zh-TW" altLang="en-US"/>
               <a:t>第四層</a:t>
             </a:r>
           </a:p>
           <a:p>
             <a:pPr lvl="4"/>
             <a:r>
-              <a:rPr lang="zh-TW" altLang="en-US" smtClean="0"/>
+              <a:rPr lang="zh-TW" altLang="en-US"/>
               <a:t>第五層</a:t>
             </a:r>
-            <a:endParaRPr lang="zh-TW" altLang="en-US"/>
           </a:p>
         </p:txBody>
       </p:sp>
@@ -2635,7 +2616,7 @@
           <a:p>
             <a:pPr lvl="0"/>
             <a:r>
-              <a:rPr lang="zh-TW" altLang="en-US" smtClean="0"/>
+              <a:rPr lang="zh-TW" altLang="en-US"/>
               <a:t>按一下以編輯母片文字樣式</a:t>
             </a:r>
           </a:p>
@@ -2659,7 +2640,7 @@
             <a:fld id="{BB12B589-21DE-46A2-AF91-CC043ECE94FC}" type="datetimeFigureOut">
               <a:rPr lang="zh-CN" altLang="en-US" smtClean="0"/>
               <a:pPr/>
-              <a:t>2020/3/18</a:t>
+              <a:t>2021/3/24</a:t>
             </a:fld>
             <a:endParaRPr lang="zh-CN" altLang="en-US"/>
           </a:p>
@@ -2763,10 +2744,9 @@
           </a:lstStyle>
           <a:p>
             <a:r>
-              <a:rPr lang="zh-TW" altLang="en-US" smtClean="0"/>
+              <a:rPr lang="zh-TW" altLang="en-US"/>
               <a:t>按一下以編輯母片標題樣式</a:t>
             </a:r>
-            <a:endParaRPr lang="zh-TW" altLang="en-US"/>
           </a:p>
         </p:txBody>
       </p:sp>
@@ -2890,7 +2870,7 @@
           <a:p>
             <a:pPr lvl="0"/>
             <a:r>
-              <a:rPr lang="zh-TW" altLang="en-US" smtClean="0"/>
+              <a:rPr lang="zh-TW" altLang="en-US"/>
               <a:t>按一下以編輯母片文字樣式</a:t>
             </a:r>
           </a:p>
@@ -2914,7 +2894,7 @@
             <a:fld id="{BB12B589-21DE-46A2-AF91-CC043ECE94FC}" type="datetimeFigureOut">
               <a:rPr lang="zh-CN" altLang="en-US" smtClean="0"/>
               <a:pPr/>
-              <a:t>2020/3/18</a:t>
+              <a:t>2021/3/24</a:t>
             </a:fld>
             <a:endParaRPr lang="zh-CN" altLang="en-US"/>
           </a:p>
@@ -3024,10 +3004,9 @@
           <a:lstStyle/>
           <a:p>
             <a:r>
-              <a:rPr lang="zh-TW" altLang="en-US" smtClean="0"/>
+              <a:rPr lang="zh-TW" altLang="en-US"/>
               <a:t>按一下以編輯母片標題樣式</a:t>
             </a:r>
-            <a:endParaRPr lang="zh-TW" altLang="en-US"/>
           </a:p>
         </p:txBody>
       </p:sp>
@@ -3058,38 +3037,37 @@
           <a:p>
             <a:pPr lvl="0"/>
             <a:r>
-              <a:rPr lang="zh-TW" altLang="en-US" smtClean="0"/>
+              <a:rPr lang="zh-TW" altLang="en-US"/>
               <a:t>按一下以編輯母片文字樣式</a:t>
             </a:r>
           </a:p>
           <a:p>
             <a:pPr lvl="1"/>
             <a:r>
-              <a:rPr lang="zh-TW" altLang="en-US" smtClean="0"/>
+              <a:rPr lang="zh-TW" altLang="en-US"/>
               <a:t>第二層</a:t>
             </a:r>
           </a:p>
           <a:p>
             <a:pPr lvl="2"/>
             <a:r>
-              <a:rPr lang="zh-TW" altLang="en-US" smtClean="0"/>
+              <a:rPr lang="zh-TW" altLang="en-US"/>
               <a:t>第三層</a:t>
             </a:r>
           </a:p>
           <a:p>
             <a:pPr lvl="3"/>
             <a:r>
-              <a:rPr lang="zh-TW" altLang="en-US" smtClean="0"/>
+              <a:rPr lang="zh-TW" altLang="en-US"/>
               <a:t>第四層</a:t>
             </a:r>
           </a:p>
           <a:p>
             <a:pPr lvl="4"/>
             <a:r>
-              <a:rPr lang="zh-TW" altLang="en-US" smtClean="0"/>
+              <a:rPr lang="zh-TW" altLang="en-US"/>
               <a:t>第五層</a:t>
             </a:r>
-            <a:endParaRPr lang="zh-TW" altLang="en-US"/>
           </a:p>
         </p:txBody>
       </p:sp>
@@ -3129,7 +3107,7 @@
             <a:fld id="{BB12B589-21DE-46A2-AF91-CC043ECE94FC}" type="datetimeFigureOut">
               <a:rPr lang="zh-CN" altLang="en-US" smtClean="0"/>
               <a:pPr/>
-              <a:t>2020/3/18</a:t>
+              <a:t>2021/3/24</a:t>
             </a:fld>
             <a:endParaRPr lang="zh-CN" altLang="en-US"/>
           </a:p>
@@ -3599,19 +3577,19 @@
           <a:p>
             <a:pPr algn="ctr"/>
             <a:r>
-              <a:rPr lang="en-US" altLang="zh-TW" sz="4800" b="1" smtClean="0"/>
+              <a:rPr lang="en-US" altLang="zh-TW" sz="4800" b="1"/>
               <a:t>JS draw BitMap</a:t>
             </a:r>
-            <a:endParaRPr lang="en-US" altLang="zh-TW" sz="4800" b="1" dirty="0" smtClean="0"/>
+            <a:endParaRPr lang="en-US" altLang="zh-TW" sz="4800" b="1" dirty="0"/>
           </a:p>
           <a:p>
             <a:pPr algn="ctr"/>
             <a:r>
-              <a:rPr lang="en-US" altLang="zh-TW" sz="4800" b="1" smtClean="0"/>
+              <a:rPr lang="en-US" altLang="zh-TW" sz="4800" b="1"/>
               <a:t>JS </a:t>
             </a:r>
             <a:r>
-              <a:rPr lang="zh-TW" altLang="en-US" sz="4800" b="1" smtClean="0"/>
+              <a:rPr lang="zh-TW" altLang="en-US" sz="4800" b="1"/>
               <a:t>繪製二維點陣圖</a:t>
             </a:r>
             <a:endParaRPr lang="zh-CN" altLang="en-US" sz="4800" dirty="0"/>
@@ -3803,13 +3781,6 @@
   <p:clrMapOvr>
     <a:masterClrMapping/>
   </p:clrMapOvr>
-  <p:timing>
-    <p:tnLst>
-      <p:par>
-        <p:cTn id="1" dur="indefinite" restart="never" nodeType="tmRoot"/>
-      </p:par>
-    </p:tnLst>
-  </p:timing>
 </p:sld>
 </file>
 
@@ -3845,7 +3816,10 @@
           <a:bodyPr/>
           <a:lstStyle/>
           <a:p>
-            <a:endParaRPr lang="zh-TW" altLang="en-US"/>
+            <a:r>
+              <a:rPr lang="zh-TW" altLang="en-US"/>
+              <a:t>雙重迴圈存取二維點陣圖物件</a:t>
+            </a:r>
           </a:p>
         </p:txBody>
       </p:sp>
@@ -3864,6 +3838,79 @@
           <a:bodyPr/>
           <a:lstStyle/>
           <a:p>
+            <a:r>
+              <a:rPr lang="zh-TW" altLang="en-US"/>
+              <a:t>二維點陣圖物件</a:t>
+            </a:r>
+            <a:endParaRPr lang="en-US" altLang="zh-TW"/>
+          </a:p>
+          <a:p>
+            <a:r>
+              <a:rPr lang="zh-TW" altLang="en-US"/>
+              <a:t>各類電腦繪圖程式皆有類似的物件</a:t>
+            </a:r>
+            <a:endParaRPr lang="en-US" altLang="zh-TW"/>
+          </a:p>
+          <a:p>
+            <a:r>
+              <a:rPr lang="zh-TW" altLang="en-US"/>
+              <a:t>代表一固定長寬</a:t>
+            </a:r>
+            <a:r>
+              <a:rPr lang="en-US" altLang="zh-TW"/>
+              <a:t>( height,width) or (raws , columns) </a:t>
+            </a:r>
+            <a:r>
+              <a:rPr lang="zh-TW" altLang="en-US"/>
+              <a:t>之圖片</a:t>
+            </a:r>
+            <a:endParaRPr lang="en-US" altLang="zh-TW"/>
+          </a:p>
+          <a:p>
+            <a:r>
+              <a:rPr lang="zh-TW" altLang="en-US"/>
+              <a:t>可用雙重迴圈設定或取得圖片每一點的顏色，如下示意程式</a:t>
+            </a:r>
+            <a:endParaRPr lang="en-US" altLang="zh-TW"/>
+          </a:p>
+          <a:p>
+            <a:r>
+              <a:rPr lang="en-US" altLang="zh-TW"/>
+              <a:t>for(x=0;x&lt; width;x++)</a:t>
+            </a:r>
+          </a:p>
+          <a:p>
+            <a:pPr marL="457200" lvl="1" indent="0">
+              <a:buNone/>
+            </a:pPr>
+            <a:r>
+              <a:rPr lang="en-US" altLang="zh-TW"/>
+              <a:t>{for(y=0;y&lt;height;y++) </a:t>
+            </a:r>
+          </a:p>
+          <a:p>
+            <a:pPr marL="457200" lvl="1" indent="0">
+              <a:buNone/>
+            </a:pPr>
+            <a:r>
+              <a:rPr lang="en-US" altLang="zh-TW"/>
+              <a:t>     {bitMapObject.point[x][y].color = rgb(a,b,c); }</a:t>
+            </a:r>
+          </a:p>
+          <a:p>
+            <a:pPr marL="457200" lvl="1" indent="0">
+              <a:buNone/>
+            </a:pPr>
+            <a:r>
+              <a:rPr lang="en-US" altLang="zh-TW"/>
+              <a:t>}</a:t>
+            </a:r>
+          </a:p>
+          <a:p>
+            <a:r>
+              <a:rPr lang="en-US" altLang="zh-TW"/>
+              <a:t>  </a:t>
+            </a:r>
             <a:endParaRPr lang="zh-TW" altLang="en-US"/>
           </a:p>
         </p:txBody>
@@ -3871,7 +3918,7 @@
     </p:spTree>
     <p:extLst>
       <p:ext uri="{BB962C8B-B14F-4D97-AF65-F5344CB8AC3E}">
-        <p14:creationId xmlns:p14="http://schemas.microsoft.com/office/powerpoint/2010/main" val="3094522518"/>
+        <p14:creationId xmlns:p14="http://schemas.microsoft.com/office/powerpoint/2010/main" val="1446841136"/>
       </p:ext>
     </p:extLst>
   </p:cSld>
@@ -3915,7 +3962,7 @@
           <a:p>
             <a:pPr algn="ctr" eaLnBrk="1" hangingPunct="1"/>
             <a:r>
-              <a:rPr lang="zh-TW" altLang="en-US" dirty="0" smtClean="0"/>
+              <a:rPr lang="zh-TW" altLang="en-US" dirty="0"/>
               <a:t>課程大綱</a:t>
             </a:r>
           </a:p>
@@ -3942,34 +3989,18 @@
           <a:lstStyle/>
           <a:p>
             <a:r>
-              <a:rPr lang="zh-TW" altLang="en-US"/>
-              <a:t>圖檔</a:t>
-            </a:r>
-            <a:r>
-              <a:rPr lang="zh-TW" altLang="en-US" smtClean="0"/>
-              <a:t>格式</a:t>
-            </a:r>
-            <a:r>
-              <a:rPr lang="en-US" altLang="zh-TW" smtClean="0"/>
+              <a:rPr lang="zh-TW" altLang="en-US" dirty="0"/>
+              <a:t>圖檔格式</a:t>
+            </a:r>
+            <a:r>
+              <a:rPr lang="en-US" altLang="zh-TW" dirty="0"/>
               <a:t>:</a:t>
             </a:r>
             <a:r>
-              <a:rPr lang="zh-TW" altLang="en-US" smtClean="0"/>
+              <a:rPr lang="zh-TW" altLang="en-US" dirty="0"/>
               <a:t> 點陣圖及向量圖</a:t>
             </a:r>
-            <a:endParaRPr lang="en-US" altLang="zh-TW" dirty="0" smtClean="0"/>
-          </a:p>
-          <a:p>
-            <a:pPr eaLnBrk="1" hangingPunct="1"/>
-            <a:endParaRPr lang="en-US" altLang="zh-TW" dirty="0" smtClean="0"/>
-          </a:p>
-          <a:p>
-            <a:pPr eaLnBrk="1" hangingPunct="1"/>
-            <a:r>
-              <a:rPr lang="zh-TW" altLang="en-US" smtClean="0"/>
-              <a:t>雙重迴圈存取二維點陣圖物件</a:t>
-            </a:r>
-            <a:endParaRPr lang="en-US" altLang="zh-TW" dirty="0" smtClean="0"/>
+            <a:endParaRPr lang="en-US" altLang="zh-TW" dirty="0"/>
           </a:p>
           <a:p>
             <a:pPr eaLnBrk="1" hangingPunct="1"/>
@@ -3978,22 +4009,10 @@
           <a:p>
             <a:pPr eaLnBrk="1" hangingPunct="1"/>
             <a:r>
-              <a:rPr lang="en-US" altLang="zh-TW" smtClean="0"/>
-              <a:t>JS</a:t>
-            </a:r>
-            <a:r>
-              <a:rPr lang="zh-TW" altLang="en-US" smtClean="0"/>
-              <a:t> 在</a:t>
-            </a:r>
-            <a:r>
-              <a:rPr lang="en-US" altLang="zh-TW" smtClean="0"/>
-              <a:t>HTML5 Canvas </a:t>
-            </a:r>
-            <a:r>
-              <a:rPr lang="zh-TW" altLang="en-US" smtClean="0"/>
-              <a:t>繪製點陣圖的方法</a:t>
-            </a:r>
-            <a:endParaRPr lang="en-US" altLang="zh-TW" dirty="0" smtClean="0"/>
+              <a:rPr lang="zh-TW" altLang="en-US" dirty="0"/>
+              <a:t>雙重迴圈存取二維點陣圖物件</a:t>
+            </a:r>
+            <a:endParaRPr lang="en-US" altLang="zh-TW" dirty="0"/>
           </a:p>
           <a:p>
             <a:pPr eaLnBrk="1" hangingPunct="1"/>
@@ -4002,37 +4021,73 @@
           <a:p>
             <a:pPr eaLnBrk="1" hangingPunct="1"/>
             <a:r>
-              <a:rPr lang="zh-TW" altLang="en-US" smtClean="0"/>
-              <a:t>繪製醫學影像初體驗</a:t>
-            </a:r>
-            <a:endParaRPr lang="en-US" altLang="zh-TW" dirty="0" smtClean="0"/>
+              <a:rPr lang="en-US" altLang="zh-TW" dirty="0"/>
+              <a:t>JS</a:t>
+            </a:r>
+            <a:r>
+              <a:rPr lang="zh-TW" altLang="en-US" dirty="0"/>
+              <a:t> 在</a:t>
+            </a:r>
+            <a:r>
+              <a:rPr lang="en-US" altLang="zh-TW" dirty="0"/>
+              <a:t>HTML5 Canvas </a:t>
+            </a:r>
+            <a:r>
+              <a:rPr lang="zh-TW" altLang="en-US" dirty="0"/>
+              <a:t>繪製點陣圖的方法</a:t>
+            </a:r>
+            <a:endParaRPr lang="en-US" altLang="zh-TW" dirty="0"/>
           </a:p>
           <a:p>
             <a:pPr eaLnBrk="1" hangingPunct="1"/>
             <a:endParaRPr lang="en-US" altLang="zh-TW" dirty="0"/>
           </a:p>
           <a:p>
-            <a:endParaRPr lang="en-US" altLang="zh-TW" dirty="0" smtClean="0"/>
-          </a:p>
-          <a:p>
-            <a:r>
-              <a:rPr lang="zh-TW" altLang="en-US" dirty="0" smtClean="0"/>
+            <a:pPr eaLnBrk="1" hangingPunct="1"/>
+            <a:r>
+              <a:rPr lang="zh-TW" altLang="en-US" dirty="0">
+                <a:solidFill>
+                  <a:schemeClr val="bg1">
+                    <a:lumMod val="65000"/>
+                  </a:schemeClr>
+                </a:solidFill>
+              </a:rPr>
+              <a:t>繪製醫學影像初體驗</a:t>
+            </a:r>
+            <a:endParaRPr lang="en-US" altLang="zh-TW" dirty="0">
+              <a:solidFill>
+                <a:schemeClr val="bg1">
+                  <a:lumMod val="65000"/>
+                </a:schemeClr>
+              </a:solidFill>
+            </a:endParaRPr>
+          </a:p>
+          <a:p>
+            <a:pPr eaLnBrk="1" hangingPunct="1"/>
+            <a:endParaRPr lang="en-US" altLang="zh-TW" dirty="0"/>
+          </a:p>
+          <a:p>
+            <a:endParaRPr lang="en-US" altLang="zh-TW" dirty="0"/>
+          </a:p>
+          <a:p>
+            <a:r>
+              <a:rPr lang="zh-TW" altLang="en-US" dirty="0"/>
               <a:t>醫學影像檔案 </a:t>
             </a:r>
             <a:r>
-              <a:rPr lang="en-US" altLang="zh-TW" dirty="0" smtClean="0"/>
+              <a:rPr lang="en-US" altLang="zh-TW" dirty="0"/>
               <a:t>(</a:t>
             </a:r>
             <a:r>
-              <a:rPr lang="en-US" altLang="zh-TW" dirty="0" err="1" smtClean="0"/>
+              <a:rPr lang="en-US" altLang="zh-TW" dirty="0" err="1"/>
               <a:t>DICOM</a:t>
             </a:r>
             <a:r>
-              <a:rPr lang="zh-TW" altLang="en-US" dirty="0" smtClean="0"/>
+              <a:rPr lang="zh-TW" altLang="en-US" dirty="0"/>
               <a:t> 檔</a:t>
             </a:r>
             <a:r>
-              <a:rPr lang="en-US" altLang="zh-TW" dirty="0" smtClean="0"/>
+              <a:rPr lang="en-US" altLang="zh-TW" dirty="0"/>
               <a:t>)</a:t>
             </a:r>
             <a:r>
@@ -4043,7 +4098,7 @@
           </a:p>
           <a:p>
             <a:pPr lvl="1" eaLnBrk="1" hangingPunct="1"/>
-            <a:endParaRPr lang="zh-TW" altLang="en-US" sz="2200" dirty="0" smtClean="0"/>
+            <a:endParaRPr lang="zh-TW" altLang="en-US" sz="2200" dirty="0"/>
           </a:p>
         </p:txBody>
       </p:sp>
@@ -4095,10 +4150,10 @@
           <a:p>
             <a:pPr algn="ctr" eaLnBrk="1" hangingPunct="1"/>
             <a:r>
-              <a:rPr lang="zh-TW" altLang="en-US" smtClean="0"/>
+              <a:rPr lang="zh-TW" altLang="en-US"/>
               <a:t>電腦繪圖最小元素</a:t>
             </a:r>
-            <a:endParaRPr lang="en-US" altLang="zh-TW" smtClean="0"/>
+            <a:endParaRPr lang="en-US" altLang="zh-TW"/>
           </a:p>
         </p:txBody>
       </p:sp>
@@ -4119,136 +4174,124 @@
           <a:p>
             <a:pPr eaLnBrk="1" hangingPunct="1"/>
             <a:r>
-              <a:rPr lang="en-US" altLang="zh-TW" dirty="0" smtClean="0"/>
+              <a:rPr lang="en-US" altLang="zh-TW" dirty="0"/>
               <a:t>Pixel (</a:t>
             </a:r>
             <a:r>
-              <a:rPr lang="zh-TW" altLang="en-US" dirty="0" smtClean="0"/>
+              <a:rPr lang="zh-TW" altLang="en-US" dirty="0"/>
               <a:t>像素點</a:t>
             </a:r>
             <a:r>
-              <a:rPr lang="en-US" altLang="zh-TW" dirty="0" smtClean="0"/>
+              <a:rPr lang="en-US" altLang="zh-TW" dirty="0"/>
               <a:t>)</a:t>
             </a:r>
-            <a:endParaRPr lang="zh-TW" altLang="en-US" dirty="0" smtClean="0"/>
+            <a:endParaRPr lang="zh-TW" altLang="en-US" dirty="0"/>
           </a:p>
           <a:p>
             <a:pPr lvl="1" eaLnBrk="1" hangingPunct="1"/>
             <a:r>
-              <a:rPr lang="zh-TW" altLang="en-US" dirty="0" smtClean="0"/>
+              <a:rPr lang="zh-TW" altLang="en-US" dirty="0"/>
               <a:t>將螢幕</a:t>
             </a:r>
             <a:r>
-              <a:rPr lang="en-US" altLang="zh-TW" dirty="0" smtClean="0"/>
+              <a:rPr lang="en-US" altLang="zh-TW" dirty="0"/>
               <a:t>(</a:t>
             </a:r>
             <a:r>
-              <a:rPr lang="zh-TW" altLang="en-US" dirty="0" smtClean="0"/>
+              <a:rPr lang="zh-TW" altLang="en-US" dirty="0"/>
               <a:t>或視窗區域</a:t>
             </a:r>
             <a:r>
-              <a:rPr lang="en-US" altLang="zh-TW" dirty="0" smtClean="0"/>
+              <a:rPr lang="en-US" altLang="zh-TW" dirty="0"/>
               <a:t>)</a:t>
             </a:r>
             <a:r>
-              <a:rPr lang="zh-TW" altLang="en-US" dirty="0" smtClean="0"/>
+              <a:rPr lang="zh-TW" altLang="en-US" dirty="0"/>
               <a:t>當成二維平面</a:t>
             </a:r>
           </a:p>
           <a:p>
             <a:pPr lvl="1" eaLnBrk="1" hangingPunct="1"/>
             <a:r>
-              <a:rPr lang="zh-TW" altLang="en-US" dirty="0" smtClean="0"/>
+              <a:rPr lang="zh-TW" altLang="en-US" dirty="0"/>
               <a:t>其解析度最小單位點</a:t>
             </a:r>
             <a:r>
-              <a:rPr lang="en-US" altLang="zh-TW" dirty="0" smtClean="0"/>
+              <a:rPr lang="en-US" altLang="zh-TW" dirty="0"/>
               <a:t>(</a:t>
             </a:r>
             <a:r>
-              <a:rPr lang="zh-TW" altLang="en-US" dirty="0" smtClean="0"/>
+              <a:rPr lang="zh-TW" altLang="en-US" dirty="0"/>
               <a:t>像素點</a:t>
             </a:r>
             <a:r>
-              <a:rPr lang="en-US" altLang="zh-TW" dirty="0" smtClean="0"/>
+              <a:rPr lang="en-US" altLang="zh-TW" dirty="0"/>
               <a:t>)</a:t>
             </a:r>
           </a:p>
           <a:p>
             <a:pPr lvl="1" eaLnBrk="1" hangingPunct="1"/>
             <a:r>
-              <a:rPr lang="zh-TW" altLang="en-US" dirty="0" smtClean="0"/>
+              <a:rPr lang="zh-TW" altLang="en-US" dirty="0"/>
               <a:t>可使用電腦程式設定像素點座標</a:t>
             </a:r>
             <a:r>
-              <a:rPr lang="zh-TW" altLang="en-US" smtClean="0"/>
+              <a:rPr lang="zh-TW" altLang="en-US"/>
               <a:t>及顏色</a:t>
             </a:r>
-            <a:endParaRPr lang="en-US" altLang="zh-TW" smtClean="0"/>
+            <a:endParaRPr lang="en-US" altLang="zh-TW"/>
           </a:p>
           <a:p>
             <a:pPr lvl="2"/>
             <a:r>
-              <a:rPr lang="en-US" altLang="zh-TW" smtClean="0"/>
+              <a:rPr lang="en-US" altLang="zh-TW"/>
               <a:t>(X,Y)(width, height)(column ,raw)</a:t>
             </a:r>
             <a:r>
-              <a:rPr lang="zh-TW" altLang="en-US" smtClean="0"/>
+              <a:rPr lang="zh-TW" altLang="en-US"/>
               <a:t>二維陣列</a:t>
             </a:r>
-            <a:endParaRPr lang="en-US" altLang="zh-TW" smtClean="0"/>
+            <a:endParaRPr lang="en-US" altLang="zh-TW"/>
           </a:p>
           <a:p>
             <a:pPr lvl="2"/>
             <a:r>
-              <a:rPr lang="zh-TW" altLang="en-US" smtClean="0"/>
+              <a:rPr lang="zh-TW" altLang="en-US"/>
               <a:t>每個點包含 </a:t>
             </a:r>
             <a:r>
-              <a:rPr lang="en-US" altLang="zh-TW" smtClean="0"/>
+              <a:rPr lang="en-US" altLang="zh-TW"/>
               <a:t>RGB</a:t>
             </a:r>
             <a:r>
-              <a:rPr lang="zh-TW" altLang="en-US" smtClean="0"/>
+              <a:rPr lang="zh-TW" altLang="en-US"/>
               <a:t> 三原色及一個透明度 </a:t>
             </a:r>
             <a:r>
-              <a:rPr lang="en-US" altLang="zh-TW" smtClean="0"/>
+              <a:rPr lang="en-US" altLang="zh-TW"/>
               <a:t>Alpha value</a:t>
             </a:r>
           </a:p>
           <a:p>
             <a:pPr lvl="3"/>
             <a:r>
-              <a:rPr lang="en-US" altLang="zh-TW" smtClean="0"/>
+              <a:rPr lang="en-US" altLang="zh-TW"/>
               <a:t>RGB </a:t>
             </a:r>
             <a:r>
-              <a:rPr lang="zh-TW" altLang="en-US" smtClean="0"/>
+              <a:rPr lang="zh-TW" altLang="en-US"/>
               <a:t>及 </a:t>
             </a:r>
             <a:r>
               <a:rPr lang="en-US" altLang="zh-TW"/>
-              <a:t>Alpha </a:t>
-            </a:r>
-            <a:r>
-              <a:rPr lang="en-US" altLang="zh-TW" smtClean="0"/>
-              <a:t>value</a:t>
-            </a:r>
-            <a:r>
-              <a:rPr lang="zh-TW" altLang="en-US" smtClean="0"/>
-              <a:t> 的數值範圍皆</a:t>
-            </a:r>
-            <a:r>
-              <a:rPr lang="zh-TW" altLang="en-US"/>
-              <a:t>為</a:t>
-            </a:r>
-            <a:r>
-              <a:rPr lang="zh-TW" altLang="en-US" smtClean="0"/>
-              <a:t> </a:t>
-            </a:r>
-            <a:r>
-              <a:rPr lang="en-US" altLang="zh-TW" smtClean="0"/>
+              <a:t>Alpha value</a:t>
+            </a:r>
+            <a:r>
+              <a:rPr lang="zh-TW" altLang="en-US"/>
+              <a:t> 的數值範圍皆為 </a:t>
+            </a:r>
+            <a:r>
+              <a:rPr lang="en-US" altLang="zh-TW"/>
               <a:t>0-255</a:t>
             </a:r>
           </a:p>
@@ -4256,25 +4299,20 @@
             <a:pPr lvl="3"/>
             <a:r>
               <a:rPr lang="zh-TW" altLang="en-US"/>
-              <a:t>佔</a:t>
-            </a:r>
-            <a:r>
-              <a:rPr lang="zh-TW" altLang="en-US" smtClean="0"/>
-              <a:t>一個 </a:t>
-            </a:r>
-            <a:r>
-              <a:rPr lang="en-US" altLang="zh-TW" smtClean="0"/>
+              <a:t>佔一個 </a:t>
+            </a:r>
+            <a:r>
+              <a:rPr lang="en-US" altLang="zh-TW"/>
               <a:t>byte</a:t>
             </a:r>
-            <a:endParaRPr lang="en-US" altLang="zh-TW"/>
           </a:p>
           <a:p>
             <a:pPr lvl="1"/>
-            <a:endParaRPr lang="zh-TW" altLang="en-US" dirty="0" smtClean="0"/>
+            <a:endParaRPr lang="zh-TW" altLang="en-US" dirty="0"/>
           </a:p>
           <a:p>
             <a:pPr eaLnBrk="1" hangingPunct="1"/>
-            <a:endParaRPr lang="zh-TW" altLang="en-US" dirty="0" smtClean="0"/>
+            <a:endParaRPr lang="zh-TW" altLang="en-US" dirty="0"/>
           </a:p>
         </p:txBody>
       </p:sp>
@@ -4291,13 +4329,6 @@
   <p:transition>
     <p:cut/>
   </p:transition>
-  <p:timing>
-    <p:tnLst>
-      <p:par>
-        <p:cTn id="1" dur="indefinite" restart="never" nodeType="tmRoot"/>
-      </p:par>
-    </p:tnLst>
-  </p:timing>
 </p:sld>
 </file>
 
@@ -4334,10 +4365,9 @@
           <a:lstStyle/>
           <a:p>
             <a:r>
-              <a:rPr lang="zh-TW" altLang="en-US" dirty="0" smtClean="0"/>
+              <a:rPr lang="zh-TW" altLang="en-US" dirty="0"/>
               <a:t>網頁標籤顏色設定範例</a:t>
             </a:r>
-            <a:endParaRPr lang="zh-TW" altLang="en-US" dirty="0"/>
           </a:p>
         </p:txBody>
       </p:sp>
@@ -4361,36 +4391,36 @@
               <a:t>https://</a:t>
             </a:r>
             <a:r>
-              <a:rPr lang="en-US" altLang="zh-TW" dirty="0" err="1" smtClean="0"/>
+              <a:rPr lang="en-US" altLang="zh-TW" dirty="0" err="1"/>
               <a:t>www.w3schools.com</a:t>
             </a:r>
             <a:r>
-              <a:rPr lang="en-US" altLang="zh-TW" dirty="0" smtClean="0"/>
+              <a:rPr lang="en-US" altLang="zh-TW" dirty="0"/>
               <a:t>/colors/</a:t>
             </a:r>
             <a:r>
-              <a:rPr lang="en-US" altLang="zh-TW" dirty="0" err="1" smtClean="0"/>
+              <a:rPr lang="en-US" altLang="zh-TW" dirty="0" err="1"/>
               <a:t>tryit.asp?filename</a:t>
             </a:r>
             <a:r>
-              <a:rPr lang="en-US" altLang="zh-TW" dirty="0" smtClean="0"/>
+              <a:rPr lang="en-US" altLang="zh-TW" dirty="0"/>
               <a:t>=</a:t>
             </a:r>
             <a:r>
-              <a:rPr lang="en-US" altLang="zh-TW" dirty="0" err="1" smtClean="0"/>
+              <a:rPr lang="en-US" altLang="zh-TW" dirty="0" err="1"/>
               <a:t>trycolors_colornames</a:t>
             </a:r>
-            <a:endParaRPr lang="en-US" altLang="zh-TW" dirty="0" smtClean="0"/>
-          </a:p>
-          <a:p>
             <a:endParaRPr lang="en-US" altLang="zh-TW" dirty="0"/>
           </a:p>
           <a:p>
-            <a:r>
-              <a:rPr lang="zh-TW" altLang="en-US" dirty="0" smtClean="0"/>
+            <a:endParaRPr lang="en-US" altLang="zh-TW" dirty="0"/>
+          </a:p>
+          <a:p>
+            <a:r>
+              <a:rPr lang="zh-TW" altLang="en-US" dirty="0"/>
               <a:t>直接給定顏色</a:t>
             </a:r>
-            <a:endParaRPr lang="en-US" altLang="zh-TW" dirty="0" smtClean="0"/>
+            <a:endParaRPr lang="en-US" altLang="zh-TW" dirty="0"/>
           </a:p>
           <a:p>
             <a:pPr lvl="1"/>
@@ -4407,11 +4437,11 @@
               <a:t> style="</a:t>
             </a:r>
             <a:r>
-              <a:rPr lang="en-US" altLang="zh-TW" dirty="0" err="1" smtClean="0"/>
+              <a:rPr lang="en-US" altLang="zh-TW" dirty="0" err="1"/>
               <a:t>color:</a:t>
             </a:r>
             <a:r>
-              <a:rPr lang="en-US" altLang="zh-TW" b="1" dirty="0" err="1" smtClean="0">
+              <a:rPr lang="en-US" altLang="zh-TW" b="1" dirty="0" err="1">
                 <a:solidFill>
                   <a:srgbClr val="FF0000"/>
                 </a:solidFill>
@@ -4419,64 +4449,56 @@
               <a:t>red</a:t>
             </a:r>
             <a:r>
-              <a:rPr lang="en-US" altLang="zh-TW" dirty="0" smtClean="0"/>
-              <a:t>"&gt;</a:t>
-            </a:r>
-            <a:r>
               <a:rPr lang="en-US" altLang="zh-TW" dirty="0"/>
-              <a:t>Heading&lt;/</a:t>
+              <a:t>"&gt;Heading&lt;/</a:t>
             </a:r>
             <a:r>
               <a:rPr lang="en-US" altLang="zh-TW" dirty="0" err="1"/>
               <a:t>h1</a:t>
             </a:r>
             <a:r>
-              <a:rPr lang="en-US" altLang="zh-TW" dirty="0" smtClean="0"/>
+              <a:rPr lang="en-US" altLang="zh-TW" dirty="0"/>
               <a:t>&gt;</a:t>
             </a:r>
           </a:p>
           <a:p>
             <a:r>
               <a:rPr lang="zh-TW" altLang="en-US" dirty="0"/>
-              <a:t>給</a:t>
-            </a:r>
-            <a:r>
-              <a:rPr lang="zh-TW" altLang="en-US" dirty="0" smtClean="0"/>
-              <a:t>定 </a:t>
-            </a:r>
-            <a:r>
-              <a:rPr lang="en-US" altLang="zh-TW" dirty="0" smtClean="0"/>
+              <a:t>給定 </a:t>
+            </a:r>
+            <a:r>
+              <a:rPr lang="en-US" altLang="zh-TW" dirty="0"/>
               <a:t>16 </a:t>
             </a:r>
             <a:r>
-              <a:rPr lang="zh-TW" altLang="en-US" dirty="0" smtClean="0"/>
+              <a:rPr lang="zh-TW" altLang="en-US" dirty="0"/>
               <a:t>進制</a:t>
             </a:r>
             <a:r>
-              <a:rPr lang="en-US" altLang="zh-TW" dirty="0" smtClean="0"/>
+              <a:rPr lang="en-US" altLang="zh-TW" dirty="0"/>
               <a:t>(00-</a:t>
             </a:r>
             <a:r>
-              <a:rPr lang="en-US" altLang="zh-TW" dirty="0" err="1" smtClean="0"/>
+              <a:rPr lang="en-US" altLang="zh-TW" dirty="0" err="1"/>
               <a:t>FF</a:t>
             </a:r>
             <a:r>
-              <a:rPr lang="en-US" altLang="zh-TW" dirty="0" smtClean="0"/>
+              <a:rPr lang="en-US" altLang="zh-TW" dirty="0"/>
               <a:t>: 0-255)</a:t>
             </a:r>
             <a:r>
-              <a:rPr lang="zh-TW" altLang="en-US" dirty="0" smtClean="0"/>
+              <a:rPr lang="zh-TW" altLang="en-US" dirty="0"/>
               <a:t>的 </a:t>
             </a:r>
             <a:r>
-              <a:rPr lang="en-US" altLang="zh-TW" dirty="0" err="1" smtClean="0"/>
+              <a:rPr lang="en-US" altLang="zh-TW" dirty="0" err="1"/>
               <a:t>RGB</a:t>
             </a:r>
             <a:r>
-              <a:rPr lang="zh-TW" altLang="en-US" dirty="0" smtClean="0"/>
+              <a:rPr lang="zh-TW" altLang="en-US" dirty="0"/>
               <a:t> 數值 </a:t>
             </a:r>
-            <a:endParaRPr lang="en-US" altLang="zh-TW" dirty="0" smtClean="0"/>
+            <a:endParaRPr lang="en-US" altLang="zh-TW" dirty="0"/>
           </a:p>
           <a:p>
             <a:pPr lvl="1"/>
@@ -4490,14 +4512,10 @@
             </a:r>
             <a:r>
               <a:rPr lang="en-US" altLang="zh-TW" dirty="0"/>
-              <a:t> style="color</a:t>
-            </a:r>
-            <a:r>
-              <a:rPr lang="en-US" altLang="zh-TW" dirty="0" smtClean="0"/>
-              <a:t>:</a:t>
-            </a:r>
-            <a:r>
-              <a:rPr lang="en-US" altLang="zh-TW" b="1" dirty="0" smtClean="0">
+              <a:t> style="color:</a:t>
+            </a:r>
+            <a:r>
+              <a:rPr lang="en-US" altLang="zh-TW" b="1" dirty="0">
                 <a:solidFill>
                   <a:srgbClr val="FF0000"/>
                 </a:solidFill>
@@ -4505,7 +4523,7 @@
               <a:t>#</a:t>
             </a:r>
             <a:r>
-              <a:rPr lang="en-US" altLang="zh-TW" b="1" dirty="0" err="1" smtClean="0">
+              <a:rPr lang="en-US" altLang="zh-TW" b="1" dirty="0" err="1">
                 <a:solidFill>
                   <a:srgbClr val="FF0000"/>
                 </a:solidFill>
@@ -4513,12 +4531,8 @@
               <a:t>00FF00</a:t>
             </a:r>
             <a:r>
-              <a:rPr lang="en-US" altLang="zh-TW" dirty="0" smtClean="0"/>
-              <a:t>"&gt;</a:t>
-            </a:r>
-            <a:r>
               <a:rPr lang="en-US" altLang="zh-TW" dirty="0"/>
-              <a:t>Heading&lt;/</a:t>
+              <a:t>"&gt;Heading&lt;/</a:t>
             </a:r>
             <a:r>
               <a:rPr lang="en-US" altLang="zh-TW" dirty="0" err="1"/>
@@ -4580,18 +4594,17 @@
           <a:lstStyle/>
           <a:p>
             <a:r>
-              <a:rPr lang="en-US" altLang="zh-TW" dirty="0" err="1" smtClean="0"/>
+              <a:rPr lang="en-US" altLang="zh-TW" dirty="0" err="1"/>
               <a:t>HTML5</a:t>
             </a:r>
             <a:r>
-              <a:rPr lang="en-US" altLang="zh-TW" dirty="0" smtClean="0"/>
+              <a:rPr lang="en-US" altLang="zh-TW" dirty="0"/>
               <a:t> canvas </a:t>
             </a:r>
             <a:r>
-              <a:rPr lang="zh-TW" altLang="en-US" dirty="0" smtClean="0"/>
+              <a:rPr lang="zh-TW" altLang="en-US" dirty="0"/>
               <a:t>繪圖顏色設定範例</a:t>
             </a:r>
-            <a:endParaRPr lang="zh-TW" altLang="en-US" dirty="0"/>
           </a:p>
         </p:txBody>
       </p:sp>
@@ -4615,26 +4628,26 @@
               <a:t>https://</a:t>
             </a:r>
             <a:r>
-              <a:rPr lang="en-US" altLang="zh-TW" dirty="0" err="1" smtClean="0"/>
+              <a:rPr lang="en-US" altLang="zh-TW" dirty="0" err="1"/>
               <a:t>www.w3schools.com</a:t>
             </a:r>
             <a:r>
-              <a:rPr lang="en-US" altLang="zh-TW" dirty="0" smtClean="0"/>
+              <a:rPr lang="en-US" altLang="zh-TW" dirty="0"/>
               <a:t>/tags/</a:t>
             </a:r>
             <a:r>
-              <a:rPr lang="en-US" altLang="zh-TW" dirty="0" err="1" smtClean="0"/>
+              <a:rPr lang="en-US" altLang="zh-TW" dirty="0" err="1"/>
               <a:t>tryit.asp?filename</a:t>
             </a:r>
             <a:r>
-              <a:rPr lang="en-US" altLang="zh-TW" dirty="0" smtClean="0"/>
+              <a:rPr lang="en-US" altLang="zh-TW" dirty="0"/>
               <a:t>=</a:t>
             </a:r>
             <a:r>
-              <a:rPr lang="en-US" altLang="zh-TW" dirty="0" err="1" smtClean="0"/>
+              <a:rPr lang="en-US" altLang="zh-TW" dirty="0" err="1"/>
               <a:t>tryhtml5_canvas_fillstyle</a:t>
             </a:r>
-            <a:endParaRPr lang="en-US" altLang="zh-TW" dirty="0" smtClean="0"/>
+            <a:endParaRPr lang="en-US" altLang="zh-TW" dirty="0"/>
           </a:p>
           <a:p>
             <a:r>
@@ -4645,31 +4658,18 @@
           <a:p>
             <a:pPr lvl="1"/>
             <a:r>
-              <a:rPr lang="en-US" altLang="zh-TW" dirty="0" err="1" smtClean="0"/>
+              <a:rPr lang="en-US" altLang="zh-TW" dirty="0" err="1"/>
               <a:t>ctx.fillStyle</a:t>
             </a:r>
             <a:r>
-              <a:rPr lang="en-US" altLang="zh-TW" dirty="0" smtClean="0"/>
-              <a:t> </a:t>
-            </a:r>
-            <a:r>
               <a:rPr lang="en-US" altLang="zh-TW" dirty="0"/>
-              <a:t>= </a:t>
-            </a:r>
-            <a:r>
-              <a:rPr lang="en-US" altLang="zh-TW" dirty="0" smtClean="0"/>
-              <a:t>"blue";</a:t>
-            </a:r>
-            <a:endParaRPr lang="en-US" altLang="zh-TW" dirty="0"/>
-          </a:p>
-          <a:p>
-            <a:r>
-              <a:rPr lang="zh-TW" altLang="en-US" dirty="0" smtClean="0"/>
-              <a:t>給</a:t>
-            </a:r>
+              <a:t> = "blue";</a:t>
+            </a:r>
+          </a:p>
+          <a:p>
             <a:r>
               <a:rPr lang="zh-TW" altLang="en-US" dirty="0"/>
-              <a:t>定 </a:t>
+              <a:t>給定 </a:t>
             </a:r>
             <a:r>
               <a:rPr lang="en-US" altLang="zh-TW" dirty="0"/>
@@ -4716,14 +4716,10 @@
             </a:r>
             <a:r>
               <a:rPr lang="en-US" altLang="zh-TW" dirty="0"/>
-              <a:t> = </a:t>
-            </a:r>
-            <a:r>
-              <a:rPr lang="en-US" altLang="zh-TW" dirty="0" smtClean="0"/>
-              <a:t>"</a:t>
-            </a:r>
-            <a:r>
-              <a:rPr lang="en-US" altLang="zh-TW" b="1" dirty="0" smtClean="0">
+              <a:t> = "</a:t>
+            </a:r>
+            <a:r>
+              <a:rPr lang="en-US" altLang="zh-TW" b="1" dirty="0">
                 <a:solidFill>
                   <a:srgbClr val="FF0000"/>
                 </a:solidFill>
@@ -4795,31 +4791,19 @@
           <a:p>
             <a:r>
               <a:rPr lang="zh-TW" altLang="en-US" dirty="0"/>
-              <a:t>設定</a:t>
-            </a:r>
-            <a:r>
-              <a:rPr lang="zh-TW" altLang="en-US" dirty="0" smtClean="0"/>
-              <a:t>透明度</a:t>
+              <a:t>設定透明度</a:t>
             </a:r>
             <a:r>
               <a:rPr lang="en-US" altLang="zh-TW" dirty="0"/>
-              <a:t>(</a:t>
-            </a:r>
-            <a:r>
-              <a:rPr lang="en-US" altLang="zh-TW" dirty="0" smtClean="0"/>
-              <a:t>alpha</a:t>
-            </a:r>
-            <a:r>
-              <a:rPr lang="zh-TW" altLang="en-US" dirty="0" smtClean="0"/>
+              <a:t>(alpha</a:t>
+            </a:r>
+            <a:r>
+              <a:rPr lang="zh-TW" altLang="en-US" dirty="0"/>
               <a:t> </a:t>
             </a:r>
             <a:r>
-              <a:rPr lang="en-US" altLang="zh-TW" dirty="0" smtClean="0"/>
+              <a:rPr lang="en-US" altLang="zh-TW" dirty="0"/>
               <a:t>value)</a:t>
-            </a:r>
-            <a:r>
-              <a:rPr lang="en-US" altLang="zh-TW" dirty="0"/>
-              <a:t/>
             </a:r>
             <a:br>
               <a:rPr lang="en-US" altLang="zh-TW" dirty="0"/>
@@ -4844,18 +4828,14 @@
           <a:lstStyle/>
           <a:p>
             <a:r>
-              <a:rPr lang="en-US" altLang="zh-TW" dirty="0" err="1" smtClean="0"/>
+              <a:rPr lang="en-US" altLang="zh-TW" dirty="0" err="1"/>
               <a:t>CSS</a:t>
             </a:r>
             <a:r>
-              <a:rPr lang="zh-TW" altLang="en-US" dirty="0" smtClean="0"/>
-              <a:t> </a:t>
-            </a:r>
-            <a:r>
               <a:rPr lang="zh-TW" altLang="en-US" dirty="0"/>
-              <a:t>範例</a:t>
-            </a:r>
-            <a:endParaRPr lang="en-US" altLang="zh-TW" dirty="0" smtClean="0"/>
+              <a:t> 範例</a:t>
+            </a:r>
+            <a:endParaRPr lang="en-US" altLang="zh-TW" dirty="0"/>
           </a:p>
           <a:p>
             <a:pPr lvl="1"/>
@@ -4864,34 +4844,34 @@
               <a:t>https://</a:t>
             </a:r>
             <a:r>
-              <a:rPr lang="en-US" altLang="zh-TW" dirty="0" err="1" smtClean="0"/>
+              <a:rPr lang="en-US" altLang="zh-TW" dirty="0" err="1"/>
               <a:t>www.w3schools.com</a:t>
             </a:r>
             <a:r>
-              <a:rPr lang="en-US" altLang="zh-TW" dirty="0" smtClean="0"/>
+              <a:rPr lang="en-US" altLang="zh-TW" dirty="0"/>
               <a:t>/</a:t>
             </a:r>
             <a:r>
-              <a:rPr lang="en-US" altLang="zh-TW" dirty="0" err="1" smtClean="0"/>
+              <a:rPr lang="en-US" altLang="zh-TW" dirty="0" err="1"/>
               <a:t>css</a:t>
             </a:r>
             <a:r>
-              <a:rPr lang="en-US" altLang="zh-TW" dirty="0" smtClean="0"/>
+              <a:rPr lang="en-US" altLang="zh-TW" dirty="0"/>
               <a:t>/</a:t>
             </a:r>
             <a:r>
-              <a:rPr lang="en-US" altLang="zh-TW" dirty="0" err="1" smtClean="0"/>
+              <a:rPr lang="en-US" altLang="zh-TW" dirty="0" err="1"/>
               <a:t>tryit.asp?filename</a:t>
             </a:r>
             <a:r>
-              <a:rPr lang="en-US" altLang="zh-TW" dirty="0" smtClean="0"/>
+              <a:rPr lang="en-US" altLang="zh-TW" dirty="0"/>
               <a:t>=</a:t>
             </a:r>
             <a:r>
-              <a:rPr lang="en-US" altLang="zh-TW" dirty="0" err="1" smtClean="0"/>
+              <a:rPr lang="en-US" altLang="zh-TW" dirty="0" err="1"/>
               <a:t>trycss3_color_rgba</a:t>
             </a:r>
-            <a:endParaRPr lang="en-US" altLang="zh-TW" dirty="0" smtClean="0"/>
+            <a:endParaRPr lang="en-US" altLang="zh-TW" dirty="0"/>
           </a:p>
           <a:p>
             <a:r>
@@ -4963,7 +4943,7 @@
           <a:p>
             <a:pPr algn="ctr" eaLnBrk="1" hangingPunct="1"/>
             <a:r>
-              <a:rPr lang="zh-TW" altLang="en-US" smtClean="0"/>
+              <a:rPr lang="zh-TW" altLang="en-US"/>
               <a:t>向量圖與點陣圖的差異</a:t>
             </a:r>
           </a:p>
@@ -4986,77 +4966,81 @@
           <a:p>
             <a:pPr eaLnBrk="1" hangingPunct="1"/>
             <a:r>
-              <a:rPr lang="en-US" altLang="zh-TW" smtClean="0"/>
+              <a:rPr lang="en-US" altLang="zh-TW" dirty="0"/>
               <a:t>Bit-mapped Graphics </a:t>
             </a:r>
             <a:r>
-              <a:rPr lang="zh-TW" altLang="en-US" sz="2600" smtClean="0"/>
+              <a:rPr lang="zh-TW" altLang="en-US" sz="2600" dirty="0"/>
               <a:t>點陣圖</a:t>
             </a:r>
             <a:r>
-              <a:rPr lang="en-US" altLang="zh-TW" sz="2600" smtClean="0"/>
+              <a:rPr lang="en-US" altLang="zh-TW" sz="2600" dirty="0"/>
               <a:t>:</a:t>
             </a:r>
           </a:p>
           <a:p>
             <a:pPr lvl="1" eaLnBrk="1" hangingPunct="1"/>
             <a:r>
-              <a:rPr lang="zh-TW" altLang="en-US" sz="2200" smtClean="0"/>
+              <a:rPr lang="zh-TW" altLang="en-US" sz="2200" dirty="0"/>
               <a:t>以二維點陣儲存影像上每一點的色階</a:t>
             </a:r>
             <a:r>
-              <a:rPr lang="en-US" altLang="zh-TW" sz="2200" smtClean="0"/>
+              <a:rPr lang="en-US" altLang="zh-TW" sz="2200" dirty="0"/>
               <a:t>(pixel </a:t>
             </a:r>
             <a:r>
-              <a:rPr lang="zh-TW" altLang="en-US" sz="2200" smtClean="0"/>
+              <a:rPr lang="zh-TW" altLang="en-US" sz="2200" dirty="0"/>
               <a:t>像素</a:t>
             </a:r>
             <a:r>
-              <a:rPr lang="en-US" altLang="zh-TW" sz="2200" smtClean="0"/>
+              <a:rPr lang="en-US" altLang="zh-TW" sz="2200" dirty="0"/>
               <a:t>)</a:t>
             </a:r>
           </a:p>
           <a:p>
             <a:pPr lvl="1" eaLnBrk="1" hangingPunct="1"/>
             <a:r>
-              <a:rPr lang="zh-TW" altLang="en-US" sz="2200" smtClean="0"/>
+              <a:rPr lang="zh-TW" altLang="en-US" sz="2200" dirty="0"/>
               <a:t>能真實呈現影像原貌及色彩上的細微差異，但將其放大後會產生鋸齒邊緣。</a:t>
             </a:r>
           </a:p>
           <a:p>
             <a:pPr eaLnBrk="1" hangingPunct="1"/>
-            <a:r>
-              <a:rPr lang="en-US" altLang="zh-TW" sz="2600" smtClean="0"/>
+            <a:endParaRPr lang="en-US" altLang="zh-TW" sz="2600" dirty="0"/>
+          </a:p>
+          <a:p>
+            <a:pPr eaLnBrk="1" hangingPunct="1"/>
+            <a:r>
+              <a:rPr lang="en-US" altLang="zh-TW" sz="2600" dirty="0"/>
               <a:t>Vector Graphics </a:t>
             </a:r>
             <a:r>
-              <a:rPr lang="zh-TW" altLang="en-US" sz="2600" smtClean="0"/>
+              <a:rPr lang="zh-TW" altLang="en-US" sz="2600" dirty="0"/>
               <a:t>向量圖</a:t>
             </a:r>
             <a:r>
-              <a:rPr lang="en-US" altLang="zh-TW" sz="2600" smtClean="0"/>
+              <a:rPr lang="en-US" altLang="zh-TW" sz="2600" dirty="0"/>
               <a:t>:</a:t>
             </a:r>
           </a:p>
           <a:p>
             <a:pPr lvl="1" eaLnBrk="1" hangingPunct="1"/>
             <a:r>
-              <a:rPr lang="zh-TW" altLang="en-US" sz="2200" smtClean="0"/>
+              <a:rPr lang="zh-TW" altLang="en-US" sz="2200" dirty="0"/>
               <a:t>是以數學運算為基礎，利用算式來表達線條及形狀</a:t>
             </a:r>
           </a:p>
           <a:p>
             <a:pPr lvl="1" eaLnBrk="1" hangingPunct="1"/>
             <a:r>
-              <a:rPr lang="zh-TW" altLang="en-US" sz="2200" smtClean="0"/>
+              <a:rPr lang="zh-TW" altLang="en-US" sz="2200" dirty="0"/>
               <a:t>每當進行編輯時，線條的長度或形狀的面積會重新計算，因此不會牽涉到「解析度」的問題，即是沒有放大後失真及產生鋸齒狀的問題</a:t>
             </a:r>
           </a:p>
           <a:p>
             <a:pPr lvl="1" eaLnBrk="1" hangingPunct="1"/>
             <a:r>
-              <a:rPr lang="zh-TW" altLang="en-US" sz="2200" smtClean="0"/>
+              <a:rPr lang="zh-TW" altLang="en-US" sz="2200" dirty="0"/>
               <a:t>向量圖的檔案大小比點陣圖小得多</a:t>
             </a:r>
           </a:p>
@@ -5110,11 +5094,11 @@
           <a:p>
             <a:pPr algn="ctr"/>
             <a:r>
-              <a:rPr lang="zh-TW" altLang="en-US" sz="4600" smtClean="0"/>
+              <a:rPr lang="zh-TW" altLang="en-US" sz="4600"/>
               <a:t>常見的</a:t>
             </a:r>
             <a:r>
-              <a:rPr lang="zh-TW" altLang="en-US" smtClean="0"/>
+              <a:rPr lang="zh-TW" altLang="en-US"/>
               <a:t>點陣圖格式</a:t>
             </a:r>
           </a:p>
@@ -5146,7 +5130,7 @@
               </a:lnSpc>
             </a:pPr>
             <a:r>
-              <a:rPr lang="en-US" altLang="zh-TW" sz="2100" smtClean="0"/>
+              <a:rPr lang="en-US" altLang="zh-TW" sz="2100"/>
               <a:t>BMP(Windows Bit Map)</a:t>
             </a:r>
           </a:p>
@@ -5157,11 +5141,11 @@
               </a:lnSpc>
             </a:pPr>
             <a:r>
-              <a:rPr lang="en-US" altLang="zh-TW" sz="2000" smtClean="0"/>
+              <a:rPr lang="en-US" altLang="zh-TW" sz="2000"/>
               <a:t>Windows</a:t>
             </a:r>
             <a:r>
-              <a:rPr lang="zh-TW" altLang="en-US" sz="2000" smtClean="0"/>
+              <a:rPr lang="zh-TW" altLang="en-US" sz="2000"/>
               <a:t>標準的影像格式 </a:t>
             </a:r>
           </a:p>
@@ -5172,31 +5156,31 @@
               </a:lnSpc>
             </a:pPr>
             <a:r>
-              <a:rPr kumimoji="0" lang="zh-TW" altLang="en-US" sz="2000" smtClean="0"/>
+              <a:rPr kumimoji="0" lang="zh-TW" altLang="en-US" sz="2000"/>
               <a:t>以二維陣列儲存 </a:t>
             </a:r>
             <a:r>
-              <a:rPr kumimoji="0" lang="en-US" altLang="zh-TW" sz="2000" smtClean="0"/>
+              <a:rPr kumimoji="0" lang="en-US" altLang="zh-TW" sz="2000"/>
               <a:t>Pixel value</a:t>
             </a:r>
             <a:r>
-              <a:rPr kumimoji="0" lang="zh-TW" altLang="en-US" sz="2000" smtClean="0"/>
+              <a:rPr kumimoji="0" lang="zh-TW" altLang="en-US" sz="2000"/>
               <a:t>。 每個 </a:t>
             </a:r>
             <a:r>
-              <a:rPr kumimoji="0" lang="en-US" altLang="zh-TW" sz="2000" smtClean="0"/>
+              <a:rPr kumimoji="0" lang="en-US" altLang="zh-TW" sz="2000"/>
               <a:t>Pixel </a:t>
             </a:r>
             <a:r>
-              <a:rPr kumimoji="0" lang="zh-TW" altLang="en-US" sz="2000" smtClean="0"/>
+              <a:rPr kumimoji="0" lang="zh-TW" altLang="en-US" sz="2000"/>
               <a:t>存成 </a:t>
             </a:r>
             <a:r>
-              <a:rPr kumimoji="0" lang="en-US" altLang="zh-TW" sz="2000" smtClean="0"/>
+              <a:rPr kumimoji="0" lang="en-US" altLang="zh-TW" sz="2000"/>
               <a:t>1, 4,8</a:t>
             </a:r>
             <a:r>
-              <a:rPr kumimoji="0" lang="en-US" altLang="zh-TW" sz="2000" b="1" smtClean="0">
+              <a:rPr kumimoji="0" lang="en-US" altLang="zh-TW" sz="2000" b="1">
                 <a:solidFill>
                   <a:srgbClr val="FF0000"/>
                 </a:solidFill>
@@ -5204,11 +5188,11 @@
               <a:t>, 24, 32 bit</a:t>
             </a:r>
             <a:r>
-              <a:rPr kumimoji="0" lang="en-US" altLang="zh-TW" sz="2000" smtClean="0"/>
+              <a:rPr kumimoji="0" lang="en-US" altLang="zh-TW" sz="2000"/>
               <a:t>, </a:t>
             </a:r>
             <a:r>
-              <a:rPr kumimoji="0" lang="zh-TW" altLang="en-US" sz="2000" smtClean="0"/>
+              <a:rPr kumimoji="0" lang="zh-TW" altLang="en-US" sz="2000"/>
               <a:t>無壓縮圖檔很大</a:t>
             </a:r>
           </a:p>
@@ -5219,7 +5203,7 @@
               </a:lnSpc>
             </a:pPr>
             <a:r>
-              <a:rPr kumimoji="0" lang="zh-TW" altLang="en-US" sz="2000" smtClean="0"/>
+              <a:rPr kumimoji="0" lang="zh-TW" altLang="en-US" sz="2000"/>
               <a:t>瀏覽器不支援</a:t>
             </a:r>
           </a:p>
@@ -5230,19 +5214,19 @@
               </a:lnSpc>
             </a:pPr>
             <a:r>
-              <a:rPr lang="en-US" altLang="zh-TW" sz="2100" smtClean="0"/>
+              <a:rPr lang="en-US" altLang="zh-TW" sz="2100"/>
               <a:t>JPEG(Joint Photographic Experts Group )</a:t>
             </a:r>
             <a:r>
-              <a:rPr lang="zh-TW" altLang="en-US" sz="2100" smtClean="0"/>
+              <a:rPr lang="zh-TW" altLang="en-US" sz="2100"/>
               <a:t>圖檔，又稱</a:t>
             </a:r>
             <a:r>
-              <a:rPr lang="en-US" altLang="zh-TW" sz="2100" smtClean="0"/>
+              <a:rPr lang="en-US" altLang="zh-TW" sz="2100"/>
               <a:t>JPG</a:t>
             </a:r>
             <a:r>
-              <a:rPr lang="zh-TW" altLang="en-US" sz="2100" smtClean="0"/>
+              <a:rPr lang="zh-TW" altLang="en-US" sz="2100"/>
               <a:t>檔</a:t>
             </a:r>
           </a:p>
@@ -5253,7 +5237,7 @@
               </a:lnSpc>
             </a:pPr>
             <a:r>
-              <a:rPr lang="zh-TW" altLang="en-US" sz="2000" smtClean="0"/>
+              <a:rPr lang="zh-TW" altLang="en-US" sz="2000"/>
               <a:t>工業壓縮標準</a:t>
             </a:r>
           </a:p>
@@ -5264,7 +5248,7 @@
               </a:lnSpc>
             </a:pPr>
             <a:r>
-              <a:rPr lang="zh-TW" altLang="en-US" sz="2000" smtClean="0"/>
+              <a:rPr lang="zh-TW" altLang="en-US" sz="2000"/>
               <a:t>適用於儲存全彩影像及縮小檔案大小 </a:t>
             </a:r>
           </a:p>
@@ -5275,7 +5259,7 @@
               </a:lnSpc>
             </a:pPr>
             <a:r>
-              <a:rPr lang="en-US" altLang="zh-TW" sz="2100" smtClean="0"/>
+              <a:rPr lang="en-US" altLang="zh-TW" sz="2100"/>
               <a:t>GIF(Graphics Interchange Format) </a:t>
             </a:r>
           </a:p>
@@ -5286,23 +5270,23 @@
               </a:lnSpc>
             </a:pPr>
             <a:r>
-              <a:rPr lang="zh-TW" altLang="en-US" sz="2000" smtClean="0"/>
+              <a:rPr lang="zh-TW" altLang="en-US" sz="2000"/>
               <a:t>適合儲存</a:t>
             </a:r>
             <a:r>
-              <a:rPr lang="en-US" altLang="zh-TW" sz="2000" smtClean="0"/>
+              <a:rPr lang="en-US" altLang="zh-TW" sz="2000"/>
               <a:t>256</a:t>
             </a:r>
             <a:r>
-              <a:rPr lang="zh-TW" altLang="en-US" sz="2000" smtClean="0"/>
+              <a:rPr lang="zh-TW" altLang="en-US" sz="2000"/>
               <a:t>色彩色或</a:t>
             </a:r>
             <a:r>
-              <a:rPr lang="en-US" altLang="zh-TW" sz="2000" smtClean="0"/>
+              <a:rPr lang="en-US" altLang="zh-TW" sz="2000"/>
               <a:t>256</a:t>
             </a:r>
             <a:r>
-              <a:rPr lang="zh-TW" altLang="en-US" sz="2000" smtClean="0"/>
+              <a:rPr lang="zh-TW" altLang="en-US" sz="2000"/>
               <a:t>色灰階影像，</a:t>
             </a:r>
           </a:p>
@@ -5313,7 +5297,7 @@
               </a:lnSpc>
             </a:pPr>
             <a:r>
-              <a:rPr lang="zh-TW" altLang="en-US" sz="2000" smtClean="0"/>
+              <a:rPr lang="zh-TW" altLang="en-US" sz="2000"/>
               <a:t>支援支援透明背景及動畫效果</a:t>
             </a:r>
           </a:p>
@@ -5324,11 +5308,11 @@
               </a:lnSpc>
             </a:pPr>
             <a:r>
-              <a:rPr lang="zh-TW" altLang="en-US" sz="2100" smtClean="0"/>
+              <a:rPr lang="zh-TW" altLang="en-US" sz="2100"/>
               <a:t>圖形格式進階說明</a:t>
             </a:r>
             <a:r>
-              <a:rPr lang="en-US" altLang="zh-TW" sz="2100" smtClean="0"/>
+              <a:rPr lang="en-US" altLang="zh-TW" sz="2100"/>
               <a:t>:http://blog.yam.com/pachiichi/article/12771313</a:t>
             </a:r>
           </a:p>
@@ -5344,13 +5328,6 @@
   <p:clrMapOvr>
     <a:masterClrMapping/>
   </p:clrMapOvr>
-  <p:timing>
-    <p:tnLst>
-      <p:par>
-        <p:cTn id="1" dur="indefinite" restart="never" nodeType="tmRoot"/>
-      </p:par>
-    </p:tnLst>
-  </p:timing>
 </p:sld>
 </file>
 
@@ -5381,14 +5358,19 @@
             <p:ph type="title"/>
           </p:nvPr>
         </p:nvSpPr>
-        <p:spPr/>
-        <p:txBody>
-          <a:bodyPr/>
-          <a:lstStyle/>
-          <a:p>
-            <a:r>
-              <a:rPr lang="zh-TW" altLang="en-US"/>
-              <a:t>雙重迴圈存取二維點陣圖物件</a:t>
+        <p:spPr>
+          <a:xfrm>
+            <a:off x="631371" y="-126578"/>
+            <a:ext cx="10972800" cy="1143000"/>
+          </a:xfrm>
+        </p:spPr>
+        <p:txBody>
+          <a:bodyPr/>
+          <a:lstStyle/>
+          <a:p>
+            <a:r>
+              <a:rPr lang="zh-TW" altLang="en-US" dirty="0"/>
+              <a:t>程式繪製點陣圖步驟</a:t>
             </a:r>
           </a:p>
         </p:txBody>
@@ -5403,117 +5385,122 @@
             <p:ph idx="1"/>
           </p:nvPr>
         </p:nvSpPr>
-        <p:spPr/>
-        <p:txBody>
-          <a:bodyPr/>
-          <a:lstStyle/>
-          <a:p>
-            <a:r>
-              <a:rPr lang="zh-TW" altLang="en-US" smtClean="0"/>
-              <a:t>二</a:t>
-            </a:r>
-            <a:r>
-              <a:rPr lang="zh-TW" altLang="en-US"/>
-              <a:t>維點陣圖</a:t>
-            </a:r>
-            <a:r>
-              <a:rPr lang="zh-TW" altLang="en-US" smtClean="0"/>
-              <a:t>物件</a:t>
-            </a:r>
-            <a:endParaRPr lang="en-US" altLang="zh-TW" smtClean="0"/>
-          </a:p>
-          <a:p>
-            <a:r>
-              <a:rPr lang="zh-TW" altLang="en-US"/>
-              <a:t>各類電腦繪圖</a:t>
-            </a:r>
-            <a:r>
-              <a:rPr lang="zh-TW" altLang="en-US" smtClean="0"/>
-              <a:t>程式皆有類似的物件</a:t>
-            </a:r>
-            <a:endParaRPr lang="en-US" altLang="zh-TW" smtClean="0"/>
-          </a:p>
-          <a:p>
-            <a:r>
-              <a:rPr lang="zh-TW" altLang="en-US" smtClean="0"/>
-              <a:t>代表一固定長寬</a:t>
-            </a:r>
-            <a:r>
-              <a:rPr lang="en-US" altLang="zh-TW"/>
+        <p:spPr>
+          <a:xfrm>
+            <a:off x="609600" y="1016422"/>
+            <a:ext cx="10972800" cy="4525963"/>
+          </a:xfrm>
+        </p:spPr>
+        <p:txBody>
+          <a:bodyPr/>
+          <a:lstStyle/>
+          <a:p>
+            <a:r>
+              <a:rPr lang="zh-TW" altLang="en-US" dirty="0"/>
+              <a:t>準備</a:t>
+            </a:r>
+            <a:r>
+              <a:rPr lang="zh-TW" altLang="en-US" b="1" dirty="0">
+                <a:solidFill>
+                  <a:srgbClr val="FF0000"/>
+                </a:solidFill>
+              </a:rPr>
+              <a:t>畫布及繪圖物件</a:t>
+            </a:r>
+            <a:endParaRPr lang="en-US" altLang="zh-TW" b="1" dirty="0">
+              <a:solidFill>
+                <a:srgbClr val="FF0000"/>
+              </a:solidFill>
+            </a:endParaRPr>
+          </a:p>
+          <a:p>
+            <a:endParaRPr lang="en-US" altLang="zh-TW" dirty="0"/>
+          </a:p>
+          <a:p>
+            <a:r>
+              <a:rPr lang="zh-TW" altLang="en-US" dirty="0"/>
+              <a:t>準備</a:t>
+            </a:r>
+            <a:r>
+              <a:rPr lang="zh-TW" altLang="en-US" b="1" dirty="0">
+                <a:solidFill>
+                  <a:srgbClr val="FF0000"/>
+                </a:solidFill>
+              </a:rPr>
+              <a:t>點陣圖物件</a:t>
+            </a:r>
+            <a:endParaRPr lang="en-US" altLang="zh-TW" b="1" dirty="0">
+              <a:solidFill>
+                <a:srgbClr val="FF0000"/>
+              </a:solidFill>
+            </a:endParaRPr>
+          </a:p>
+          <a:p>
+            <a:pPr lvl="1"/>
+            <a:r>
+              <a:rPr lang="zh-TW" altLang="en-US" dirty="0"/>
+              <a:t>各類電腦繪圖程式皆有類似的物件，代表一固定長寬</a:t>
+            </a:r>
+            <a:r>
+              <a:rPr lang="en-US" altLang="zh-TW" dirty="0"/>
               <a:t>( </a:t>
             </a:r>
             <a:r>
-              <a:rPr lang="en-US" altLang="zh-TW" smtClean="0"/>
-              <a:t>height,width) or (raws , columns) </a:t>
-            </a:r>
-            <a:r>
-              <a:rPr lang="zh-TW" altLang="en-US" smtClean="0"/>
-              <a:t>之圖片</a:t>
-            </a:r>
-            <a:endParaRPr lang="en-US" altLang="zh-TW" smtClean="0"/>
-          </a:p>
-          <a:p>
-            <a:r>
-              <a:rPr lang="zh-TW" altLang="en-US" smtClean="0"/>
-              <a:t>可用雙重迴圈設定或取得圖片每一點的顏色，如下示意程式</a:t>
-            </a:r>
-            <a:endParaRPr lang="en-US" altLang="zh-TW"/>
-          </a:p>
-          <a:p>
-            <a:r>
-              <a:rPr lang="en-US" altLang="zh-TW" smtClean="0"/>
-              <a:t>for(x=0;x&lt; width;x++)</a:t>
-            </a:r>
-          </a:p>
-          <a:p>
-            <a:pPr marL="457200" lvl="1" indent="0">
-              <a:buNone/>
-            </a:pPr>
-            <a:r>
-              <a:rPr lang="en-US" altLang="zh-TW" smtClean="0"/>
-              <a:t>{for(y=0;y&lt;height;y++) </a:t>
-            </a:r>
-          </a:p>
-          <a:p>
-            <a:pPr marL="457200" lvl="1" indent="0">
-              <a:buNone/>
-            </a:pPr>
-            <a:r>
-              <a:rPr lang="en-US" altLang="zh-TW"/>
-              <a:t> </a:t>
-            </a:r>
-            <a:r>
-              <a:rPr lang="en-US" altLang="zh-TW" smtClean="0"/>
-              <a:t>    {bitMapObject.point[x][y].color = rgb(a,b,c); }</a:t>
-            </a:r>
-          </a:p>
-          <a:p>
-            <a:pPr marL="457200" lvl="1" indent="0">
-              <a:buNone/>
-            </a:pPr>
-            <a:r>
-              <a:rPr lang="en-US" altLang="zh-TW"/>
-              <a:t>}</a:t>
-            </a:r>
-            <a:endParaRPr lang="en-US" altLang="zh-TW" smtClean="0"/>
-          </a:p>
-          <a:p>
-            <a:r>
-              <a:rPr lang="en-US" altLang="zh-TW"/>
-              <a:t> </a:t>
-            </a:r>
-            <a:r>
-              <a:rPr lang="en-US" altLang="zh-TW" smtClean="0"/>
-              <a:t> </a:t>
-            </a:r>
-            <a:endParaRPr lang="zh-TW" altLang="en-US"/>
+              <a:rPr lang="en-US" altLang="zh-TW" dirty="0" err="1"/>
+              <a:t>height,width</a:t>
+            </a:r>
+            <a:r>
+              <a:rPr lang="en-US" altLang="zh-TW" dirty="0"/>
+              <a:t>) or (</a:t>
+            </a:r>
+            <a:r>
+              <a:rPr lang="en-US" altLang="zh-TW" dirty="0" err="1"/>
+              <a:t>raws</a:t>
+            </a:r>
+            <a:r>
+              <a:rPr lang="en-US" altLang="zh-TW" dirty="0"/>
+              <a:t> , columns) </a:t>
+            </a:r>
+            <a:r>
+              <a:rPr lang="zh-TW" altLang="en-US" dirty="0"/>
+              <a:t>之圖片陣列</a:t>
+            </a:r>
+            <a:endParaRPr lang="en-US" altLang="zh-TW" dirty="0"/>
+          </a:p>
+          <a:p>
+            <a:pPr lvl="1"/>
+            <a:r>
+              <a:rPr lang="zh-TW" altLang="en-US" dirty="0"/>
+              <a:t>程式可設定或讀取其像素陣列每一點的數值</a:t>
+            </a:r>
+            <a:endParaRPr lang="en-US" altLang="zh-TW" dirty="0"/>
+          </a:p>
+          <a:p>
+            <a:endParaRPr lang="en-US" altLang="zh-TW" dirty="0"/>
+          </a:p>
+          <a:p>
+            <a:r>
+              <a:rPr lang="zh-TW" altLang="en-US" dirty="0"/>
+              <a:t>用雙重迴圈設定點陣圖物件每一點的顏色</a:t>
+            </a:r>
+            <a:endParaRPr lang="en-US" altLang="zh-TW" dirty="0"/>
+          </a:p>
+          <a:p>
+            <a:endParaRPr lang="en-US" altLang="zh-TW" dirty="0"/>
+          </a:p>
+          <a:p>
+            <a:r>
+              <a:rPr lang="zh-TW" altLang="en-US" dirty="0"/>
+              <a:t>使用繪圖物件將點陣圖物件貼到畫布</a:t>
+            </a:r>
+            <a:endParaRPr lang="en-US" altLang="zh-TW" dirty="0"/>
           </a:p>
         </p:txBody>
       </p:sp>
     </p:spTree>
     <p:extLst>
       <p:ext uri="{BB962C8B-B14F-4D97-AF65-F5344CB8AC3E}">
-        <p14:creationId xmlns:p14="http://schemas.microsoft.com/office/powerpoint/2010/main" val="1446841136"/>
+        <p14:creationId xmlns:p14="http://schemas.microsoft.com/office/powerpoint/2010/main" val="814132386"/>
       </p:ext>
     </p:extLst>
   </p:cSld>
